--- a/wk1/img/github_flow.pptx
+++ b/wk1/img/github_flow.pptx
@@ -288,7 +288,7 @@
           <a:p>
             <a:fld id="{8517AF8F-5CF3-4902-96D3-29F214996D62}" type="datetimeFigureOut">
               <a:rPr lang="en-US" smtClean="0"/>
-              <a:t>10/1/2014</a:t>
+              <a:t>10/2/2014</a:t>
             </a:fld>
             <a:endParaRPr lang="en-US"/>
           </a:p>
@@ -458,7 +458,7 @@
           <a:p>
             <a:fld id="{8517AF8F-5CF3-4902-96D3-29F214996D62}" type="datetimeFigureOut">
               <a:rPr lang="en-US" smtClean="0"/>
-              <a:t>10/1/2014</a:t>
+              <a:t>10/2/2014</a:t>
             </a:fld>
             <a:endParaRPr lang="en-US"/>
           </a:p>
@@ -638,7 +638,7 @@
           <a:p>
             <a:fld id="{8517AF8F-5CF3-4902-96D3-29F214996D62}" type="datetimeFigureOut">
               <a:rPr lang="en-US" smtClean="0"/>
-              <a:t>10/1/2014</a:t>
+              <a:t>10/2/2014</a:t>
             </a:fld>
             <a:endParaRPr lang="en-US"/>
           </a:p>
@@ -808,7 +808,7 @@
           <a:p>
             <a:fld id="{8517AF8F-5CF3-4902-96D3-29F214996D62}" type="datetimeFigureOut">
               <a:rPr lang="en-US" smtClean="0"/>
-              <a:t>10/1/2014</a:t>
+              <a:t>10/2/2014</a:t>
             </a:fld>
             <a:endParaRPr lang="en-US"/>
           </a:p>
@@ -1054,7 +1054,7 @@
           <a:p>
             <a:fld id="{8517AF8F-5CF3-4902-96D3-29F214996D62}" type="datetimeFigureOut">
               <a:rPr lang="en-US" smtClean="0"/>
-              <a:t>10/1/2014</a:t>
+              <a:t>10/2/2014</a:t>
             </a:fld>
             <a:endParaRPr lang="en-US"/>
           </a:p>
@@ -1342,7 +1342,7 @@
           <a:p>
             <a:fld id="{8517AF8F-5CF3-4902-96D3-29F214996D62}" type="datetimeFigureOut">
               <a:rPr lang="en-US" smtClean="0"/>
-              <a:t>10/1/2014</a:t>
+              <a:t>10/2/2014</a:t>
             </a:fld>
             <a:endParaRPr lang="en-US"/>
           </a:p>
@@ -1764,7 +1764,7 @@
           <a:p>
             <a:fld id="{8517AF8F-5CF3-4902-96D3-29F214996D62}" type="datetimeFigureOut">
               <a:rPr lang="en-US" smtClean="0"/>
-              <a:t>10/1/2014</a:t>
+              <a:t>10/2/2014</a:t>
             </a:fld>
             <a:endParaRPr lang="en-US"/>
           </a:p>
@@ -1882,7 +1882,7 @@
           <a:p>
             <a:fld id="{8517AF8F-5CF3-4902-96D3-29F214996D62}" type="datetimeFigureOut">
               <a:rPr lang="en-US" smtClean="0"/>
-              <a:t>10/1/2014</a:t>
+              <a:t>10/2/2014</a:t>
             </a:fld>
             <a:endParaRPr lang="en-US"/>
           </a:p>
@@ -1977,7 +1977,7 @@
           <a:p>
             <a:fld id="{8517AF8F-5CF3-4902-96D3-29F214996D62}" type="datetimeFigureOut">
               <a:rPr lang="en-US" smtClean="0"/>
-              <a:t>10/1/2014</a:t>
+              <a:t>10/2/2014</a:t>
             </a:fld>
             <a:endParaRPr lang="en-US"/>
           </a:p>
@@ -2254,7 +2254,7 @@
           <a:p>
             <a:fld id="{8517AF8F-5CF3-4902-96D3-29F214996D62}" type="datetimeFigureOut">
               <a:rPr lang="en-US" smtClean="0"/>
-              <a:t>10/1/2014</a:t>
+              <a:t>10/2/2014</a:t>
             </a:fld>
             <a:endParaRPr lang="en-US"/>
           </a:p>
@@ -2507,7 +2507,7 @@
           <a:p>
             <a:fld id="{8517AF8F-5CF3-4902-96D3-29F214996D62}" type="datetimeFigureOut">
               <a:rPr lang="en-US" smtClean="0"/>
-              <a:t>10/1/2014</a:t>
+              <a:t>10/2/2014</a:t>
             </a:fld>
             <a:endParaRPr lang="en-US"/>
           </a:p>
@@ -2720,7 +2720,7 @@
           <a:p>
             <a:fld id="{8517AF8F-5CF3-4902-96D3-29F214996D62}" type="datetimeFigureOut">
               <a:rPr lang="en-US" smtClean="0"/>
-              <a:t>10/1/2014</a:t>
+              <a:t>10/2/2014</a:t>
             </a:fld>
             <a:endParaRPr lang="en-US"/>
           </a:p>
@@ -3695,7 +3695,7 @@
         </p:nvSpPr>
         <p:spPr>
           <a:xfrm>
-            <a:off x="3886200" y="2362200"/>
+            <a:off x="3886200" y="2895600"/>
             <a:ext cx="1447800" cy="533400"/>
           </a:xfrm>
           <a:prstGeom prst="rightArrow">
@@ -3739,7 +3739,7 @@
         </p:nvSpPr>
         <p:spPr>
           <a:xfrm>
-            <a:off x="3556840" y="3352800"/>
+            <a:off x="3556840" y="3657600"/>
             <a:ext cx="1472360" cy="533400"/>
           </a:xfrm>
           <a:prstGeom prst="leftArrow">
@@ -3886,6 +3886,50 @@
                 <a:schemeClr val="tx1"/>
               </a:solidFill>
             </a:endParaRPr>
+          </a:p>
+        </p:txBody>
+      </p:sp>
+      <p:sp>
+        <p:nvSpPr>
+          <p:cNvPr id="10" name="Striped Right Arrow 9"/>
+          <p:cNvSpPr/>
+          <p:nvPr/>
+        </p:nvSpPr>
+        <p:spPr>
+          <a:xfrm flipH="1">
+            <a:off x="3584549" y="2133600"/>
+            <a:ext cx="1448429" cy="533400"/>
+          </a:xfrm>
+          <a:prstGeom prst="stripedRightArrow">
+            <a:avLst/>
+          </a:prstGeom>
+        </p:spPr>
+        <p:style>
+          <a:lnRef idx="2">
+            <a:schemeClr val="accent1">
+              <a:shade val="50000"/>
+            </a:schemeClr>
+          </a:lnRef>
+          <a:fillRef idx="1">
+            <a:schemeClr val="accent1"/>
+          </a:fillRef>
+          <a:effectRef idx="0">
+            <a:schemeClr val="accent1"/>
+          </a:effectRef>
+          <a:fontRef idx="minor">
+            <a:schemeClr val="lt1"/>
+          </a:fontRef>
+        </p:style>
+        <p:txBody>
+          <a:bodyPr rtlCol="0" anchor="ctr"/>
+          <a:lstStyle/>
+          <a:p>
+            <a:pPr algn="ctr"/>
+            <a:r>
+              <a:rPr lang="en-US" dirty="0" smtClean="0"/>
+              <a:t>CLONE (1x)</a:t>
+            </a:r>
+            <a:endParaRPr lang="en-US" dirty="0"/>
           </a:p>
         </p:txBody>
       </p:sp>
